--- a/new/parser.pptx
+++ b/new/parser.pptx
@@ -6,6 +6,7 @@
   </p:sldMasterIdLst>
   <p:sldIdLst>
     <p:sldId id="256" r:id="rId2"/>
+    <p:sldId id="258" r:id="rId3"/>
   </p:sldIdLst>
   <p:sldSz cx="12192000" cy="6858000"/>
   <p:notesSz cx="6858000" cy="9144000"/>
@@ -104,6 +105,11 @@
       </a:defRPr>
     </a:lvl9pPr>
   </p:defaultTextStyle>
+  <p:extLst>
+    <p:ext uri="{EFAFB233-063F-42B5-8137-9DF3F51BA10A}">
+      <p15:sldGuideLst xmlns:p15="http://schemas.microsoft.com/office/powerpoint/2012/main"/>
+    </p:ext>
+  </p:extLst>
 </p:presentation>
 </file>
 
@@ -3750,8 +3756,8 @@
         </p:nvSpPr>
         <p:spPr>
           <a:xfrm>
-            <a:off x="3848729" y="663946"/>
-            <a:ext cx="728084" cy="646331"/>
+            <a:off x="3325016" y="532574"/>
+            <a:ext cx="2746265" cy="646331"/>
           </a:xfrm>
           <a:prstGeom prst="rect">
             <a:avLst/>
@@ -3766,10 +3772,14 @@
           <a:p>
             <a:r>
               <a:rPr kumimoji="1" lang="en-US" altLang="ja-JP" dirty="0"/>
-              <a:t>Read</a:t>
-            </a:r>
-          </a:p>
-          <a:p>
+              <a:t>Read with some interval</a:t>
+            </a:r>
+          </a:p>
+          <a:p>
+            <a:r>
+              <a:rPr lang="ja-JP" altLang="en-US" dirty="0"/>
+              <a:t>定期的に読み込み</a:t>
+            </a:r>
             <a:endParaRPr kumimoji="1" lang="ja-JP" altLang="en-US" dirty="0"/>
           </a:p>
         </p:txBody>
@@ -3829,8 +3839,8 @@
         </p:nvSpPr>
         <p:spPr>
           <a:xfrm>
-            <a:off x="3483113" y="1974540"/>
-            <a:ext cx="2612571" cy="923330"/>
+            <a:off x="3483113" y="1778598"/>
+            <a:ext cx="2612571" cy="1477328"/>
           </a:xfrm>
           <a:prstGeom prst="rect">
             <a:avLst/>
@@ -3847,7 +3857,13 @@
               <a:rPr kumimoji="1" lang="en-US" altLang="ja-JP" dirty="0"/>
               <a:t>Return a list of contents and their name</a:t>
             </a:r>
-            <a:endParaRPr kumimoji="1" lang="ja-JP" altLang="en-US" dirty="0"/>
+          </a:p>
+          <a:p>
+            <a:r>
+              <a:rPr lang="ja-JP" altLang="en-US" dirty="0"/>
+              <a:t>コンテンツ（＝行）のリストを返す</a:t>
+            </a:r>
+            <a:endParaRPr lang="en-US" altLang="ja-JP" dirty="0"/>
           </a:p>
         </p:txBody>
       </p:sp>
@@ -3879,8 +3895,8 @@
         </p:blipFill>
         <p:spPr>
           <a:xfrm>
-            <a:off x="4789714" y="4397829"/>
-            <a:ext cx="5845287" cy="2990486"/>
+            <a:off x="4585870" y="4611237"/>
+            <a:ext cx="6922793" cy="3541745"/>
           </a:xfrm>
           <a:prstGeom prst="rect">
             <a:avLst/>
@@ -3942,8 +3958,8 @@
         </p:nvSpPr>
         <p:spPr>
           <a:xfrm>
-            <a:off x="3525823" y="3532053"/>
-            <a:ext cx="2374234" cy="646331"/>
+            <a:off x="3444438" y="3726955"/>
+            <a:ext cx="5302491" cy="646331"/>
           </a:xfrm>
           <a:prstGeom prst="rect">
             <a:avLst/>
@@ -3963,6 +3979,20 @@
             <a:r>
               <a:rPr lang="en-US" altLang="ja-JP" dirty="0"/>
               <a:t>e purchase id of each content</a:t>
+            </a:r>
+          </a:p>
+          <a:p>
+            <a:r>
+              <a:rPr lang="ja-JP" altLang="en-US" dirty="0"/>
+              <a:t>コンテンツとそれに対応する支払い</a:t>
+            </a:r>
+            <a:r>
+              <a:rPr lang="en-US" altLang="ja-JP" dirty="0"/>
+              <a:t>ID</a:t>
+            </a:r>
+            <a:r>
+              <a:rPr lang="ja-JP" altLang="en-US" dirty="0"/>
+              <a:t>を渡す</a:t>
             </a:r>
             <a:endParaRPr kumimoji="1" lang="ja-JP" altLang="en-US" dirty="0"/>
           </a:p>
@@ -4023,8 +4053,8 @@
         </p:nvSpPr>
         <p:spPr>
           <a:xfrm>
-            <a:off x="1183979" y="4862597"/>
-            <a:ext cx="2612571" cy="923330"/>
+            <a:off x="988036" y="4904782"/>
+            <a:ext cx="3156699" cy="1477328"/>
           </a:xfrm>
           <a:prstGeom prst="rect">
             <a:avLst/>
@@ -4045,6 +4075,12 @@
               <a:rPr kumimoji="1" lang="en-US" altLang="ja-JP" dirty="0"/>
               <a:t>payment status for each content</a:t>
             </a:r>
+          </a:p>
+          <a:p>
+            <a:r>
+              <a:rPr lang="ja-JP" altLang="en-US" dirty="0"/>
+              <a:t>それぞれのコンテンツに対応する支払いのステータス（払っているか否か）が返る</a:t>
+            </a:r>
             <a:endParaRPr kumimoji="1" lang="ja-JP" altLang="en-US" dirty="0"/>
           </a:p>
         </p:txBody>
@@ -4053,6 +4089,932 @@
     <p:extLst>
       <p:ext uri="{BB962C8B-B14F-4D97-AF65-F5344CB8AC3E}">
         <p14:creationId xmlns:p14="http://schemas.microsoft.com/office/powerpoint/2010/main" val="1391868463"/>
+      </p:ext>
+    </p:extLst>
+  </p:cSld>
+  <p:clrMapOvr>
+    <a:masterClrMapping/>
+  </p:clrMapOvr>
+</p:sld>
+</file>
+
+<file path=ppt/slides/slide2.xml><?xml version="1.0" encoding="utf-8"?>
+<p:sld xmlns:a="http://schemas.openxmlformats.org/drawingml/2006/main" xmlns:r="http://schemas.openxmlformats.org/officeDocument/2006/relationships" xmlns:p="http://schemas.openxmlformats.org/presentationml/2006/main">
+  <p:cSld>
+    <p:spTree>
+      <p:nvGrpSpPr>
+        <p:cNvPr id="1" name=""/>
+        <p:cNvGrpSpPr/>
+        <p:nvPr/>
+      </p:nvGrpSpPr>
+      <p:grpSpPr>
+        <a:xfrm>
+          <a:off x="0" y="0"/>
+          <a:ext cx="0" cy="0"/>
+          <a:chOff x="0" y="0"/>
+          <a:chExt cx="0" cy="0"/>
+        </a:xfrm>
+      </p:grpSpPr>
+      <p:sp>
+        <p:nvSpPr>
+          <p:cNvPr id="37" name="正方形/長方形 36">
+            <a:extLst>
+              <a:ext uri="{FF2B5EF4-FFF2-40B4-BE49-F238E27FC236}">
+                <a16:creationId xmlns:a16="http://schemas.microsoft.com/office/drawing/2014/main" id="{179DB512-6396-772D-642B-6428DF55218B}"/>
+              </a:ext>
+            </a:extLst>
+          </p:cNvPr>
+          <p:cNvSpPr/>
+          <p:nvPr/>
+        </p:nvSpPr>
+        <p:spPr>
+          <a:xfrm>
+            <a:off x="-2127144" y="-1634252"/>
+            <a:ext cx="8981901" cy="2488296"/>
+          </a:xfrm>
+          <a:prstGeom prst="rect">
+            <a:avLst/>
+          </a:prstGeom>
+          <a:solidFill>
+            <a:schemeClr val="accent6">
+              <a:lumMod val="20000"/>
+              <a:lumOff val="80000"/>
+            </a:schemeClr>
+          </a:solidFill>
+        </p:spPr>
+        <p:style>
+          <a:lnRef idx="2">
+            <a:schemeClr val="accent1">
+              <a:shade val="15000"/>
+            </a:schemeClr>
+          </a:lnRef>
+          <a:fillRef idx="1">
+            <a:schemeClr val="accent1"/>
+          </a:fillRef>
+          <a:effectRef idx="0">
+            <a:schemeClr val="accent1"/>
+          </a:effectRef>
+          <a:fontRef idx="minor">
+            <a:schemeClr val="lt1"/>
+          </a:fontRef>
+        </p:style>
+        <p:txBody>
+          <a:bodyPr rtlCol="0" anchor="ctr"/>
+          <a:lstStyle/>
+          <a:p>
+            <a:r>
+              <a:rPr kumimoji="1" lang="en-US" altLang="ja-JP" dirty="0">
+                <a:solidFill>
+                  <a:schemeClr val="tx1"/>
+                </a:solidFill>
+              </a:rPr>
+              <a:t>User</a:t>
+            </a:r>
+            <a:r>
+              <a:rPr kumimoji="1" lang="ja-JP" altLang="en-US" dirty="0">
+                <a:solidFill>
+                  <a:schemeClr val="tx1"/>
+                </a:solidFill>
+              </a:rPr>
+              <a:t>‘</a:t>
+            </a:r>
+            <a:r>
+              <a:rPr kumimoji="1" lang="en-US" altLang="ja-JP" dirty="0">
+                <a:solidFill>
+                  <a:schemeClr val="tx1"/>
+                </a:solidFill>
+              </a:rPr>
+              <a:t>s directories</a:t>
+            </a:r>
+          </a:p>
+          <a:p>
+            <a:endParaRPr lang="en-US" altLang="ja-JP" dirty="0">
+              <a:solidFill>
+                <a:schemeClr val="tx1"/>
+              </a:solidFill>
+            </a:endParaRPr>
+          </a:p>
+          <a:p>
+            <a:endParaRPr kumimoji="1" lang="en-US" altLang="ja-JP" dirty="0">
+              <a:solidFill>
+                <a:schemeClr val="tx1"/>
+              </a:solidFill>
+            </a:endParaRPr>
+          </a:p>
+          <a:p>
+            <a:endParaRPr lang="en-US" altLang="ja-JP" dirty="0">
+              <a:solidFill>
+                <a:schemeClr val="tx1"/>
+              </a:solidFill>
+            </a:endParaRPr>
+          </a:p>
+          <a:p>
+            <a:endParaRPr kumimoji="1" lang="en-US" altLang="ja-JP" dirty="0">
+              <a:solidFill>
+                <a:schemeClr val="tx1"/>
+              </a:solidFill>
+            </a:endParaRPr>
+          </a:p>
+          <a:p>
+            <a:endParaRPr lang="en-US" altLang="ja-JP" dirty="0">
+              <a:solidFill>
+                <a:schemeClr val="tx1"/>
+              </a:solidFill>
+            </a:endParaRPr>
+          </a:p>
+          <a:p>
+            <a:endParaRPr kumimoji="1" lang="ja-JP" altLang="en-US" dirty="0">
+              <a:solidFill>
+                <a:schemeClr val="tx1"/>
+              </a:solidFill>
+            </a:endParaRPr>
+          </a:p>
+        </p:txBody>
+      </p:sp>
+      <p:sp>
+        <p:nvSpPr>
+          <p:cNvPr id="2" name="正方形/長方形 1">
+            <a:extLst>
+              <a:ext uri="{FF2B5EF4-FFF2-40B4-BE49-F238E27FC236}">
+                <a16:creationId xmlns:a16="http://schemas.microsoft.com/office/drawing/2014/main" id="{AAF7A0BF-E850-6DDA-86CB-472FF606D0F7}"/>
+              </a:ext>
+            </a:extLst>
+          </p:cNvPr>
+          <p:cNvSpPr/>
+          <p:nvPr/>
+        </p:nvSpPr>
+        <p:spPr>
+          <a:xfrm>
+            <a:off x="2517707" y="3884000"/>
+            <a:ext cx="4337050" cy="3280998"/>
+          </a:xfrm>
+          <a:prstGeom prst="rect">
+            <a:avLst/>
+          </a:prstGeom>
+          <a:solidFill>
+            <a:schemeClr val="accent2"/>
+          </a:solidFill>
+        </p:spPr>
+        <p:style>
+          <a:lnRef idx="2">
+            <a:schemeClr val="accent1">
+              <a:shade val="15000"/>
+            </a:schemeClr>
+          </a:lnRef>
+          <a:fillRef idx="1">
+            <a:schemeClr val="accent1"/>
+          </a:fillRef>
+          <a:effectRef idx="0">
+            <a:schemeClr val="accent1"/>
+          </a:effectRef>
+          <a:fontRef idx="minor">
+            <a:schemeClr val="lt1"/>
+          </a:fontRef>
+        </p:style>
+        <p:txBody>
+          <a:bodyPr rtlCol="0" anchor="ctr"/>
+          <a:lstStyle/>
+          <a:p>
+            <a:pPr algn="ctr"/>
+            <a:r>
+              <a:rPr kumimoji="1" lang="en-US" altLang="ja-JP" dirty="0"/>
+              <a:t>Data Extraction Function. It is implemented in Python and other languages and takes user information and input and creates a txt file in the directory corresponding to the user.</a:t>
+            </a:r>
+          </a:p>
+          <a:p>
+            <a:pPr algn="ctr"/>
+            <a:endParaRPr lang="en-US" altLang="ja-JP" dirty="0"/>
+          </a:p>
+          <a:p>
+            <a:pPr algn="ctr"/>
+            <a:r>
+              <a:rPr lang="ja-JP" altLang="en-US" dirty="0"/>
+              <a:t>データ抽出関数。 </a:t>
+            </a:r>
+            <a:r>
+              <a:rPr lang="en-US" altLang="ja-JP" dirty="0"/>
+              <a:t>Python</a:t>
+            </a:r>
+            <a:r>
+              <a:rPr lang="ja-JP" altLang="en-US" dirty="0"/>
+              <a:t>などで実装されており、ユーザー情報と、入力を受け取ってテキストファイルをそのユーザーに対応するディレクトリに生成する</a:t>
+            </a:r>
+            <a:endParaRPr kumimoji="1" lang="ja-JP" altLang="en-US" dirty="0"/>
+          </a:p>
+        </p:txBody>
+      </p:sp>
+      <p:sp>
+        <p:nvSpPr>
+          <p:cNvPr id="7" name="テキスト ボックス 6">
+            <a:extLst>
+              <a:ext uri="{FF2B5EF4-FFF2-40B4-BE49-F238E27FC236}">
+                <a16:creationId xmlns:a16="http://schemas.microsoft.com/office/drawing/2014/main" id="{06298A0B-A7DC-B226-7AAA-DF5FBCBAD2AD}"/>
+              </a:ext>
+            </a:extLst>
+          </p:cNvPr>
+          <p:cNvSpPr txBox="1"/>
+          <p:nvPr/>
+        </p:nvSpPr>
+        <p:spPr>
+          <a:xfrm>
+            <a:off x="6203506" y="7164998"/>
+            <a:ext cx="4337050" cy="1754326"/>
+          </a:xfrm>
+          <a:prstGeom prst="rect">
+            <a:avLst/>
+          </a:prstGeom>
+          <a:noFill/>
+        </p:spPr>
+        <p:txBody>
+          <a:bodyPr wrap="square" rtlCol="0">
+            <a:spAutoFit/>
+          </a:bodyPr>
+          <a:lstStyle/>
+          <a:p>
+            <a:r>
+              <a:rPr lang="en-US" altLang="ja-JP" b="1" dirty="0"/>
+              <a:t>If payment 1 is done, </a:t>
+            </a:r>
+          </a:p>
+          <a:p>
+            <a:r>
+              <a:rPr kumimoji="1" lang="en-US" altLang="ja-JP" b="1" dirty="0"/>
+              <a:t>F(1), F(3), F(5) and F(3) are</a:t>
+            </a:r>
+            <a:r>
+              <a:rPr lang="ja-JP" altLang="en-US" b="1" dirty="0"/>
+              <a:t> </a:t>
+            </a:r>
+            <a:r>
+              <a:rPr lang="en-US" altLang="ja-JP" b="1" dirty="0"/>
+              <a:t>stored</a:t>
+            </a:r>
+            <a:r>
+              <a:rPr lang="ja-JP" altLang="en-US" b="1" dirty="0"/>
+              <a:t> </a:t>
+            </a:r>
+            <a:r>
+              <a:rPr lang="en-US" altLang="ja-JP" b="1" dirty="0"/>
+              <a:t>in the</a:t>
+            </a:r>
+            <a:r>
+              <a:rPr lang="ja-JP" altLang="en-US" b="1" dirty="0"/>
+              <a:t> </a:t>
+            </a:r>
+            <a:r>
+              <a:rPr lang="en-US" altLang="ja-JP" b="1" dirty="0"/>
+              <a:t>que to be ran.</a:t>
+            </a:r>
+          </a:p>
+          <a:p>
+            <a:r>
+              <a:rPr kumimoji="1" lang="ja-JP" altLang="en-US" b="1" dirty="0"/>
+              <a:t>支払いが終わったら、</a:t>
+            </a:r>
+            <a:r>
+              <a:rPr kumimoji="1" lang="en-US" altLang="ja-JP" b="1" dirty="0"/>
+              <a:t> F(1), F(3), F(5), F(3) </a:t>
+            </a:r>
+            <a:r>
+              <a:rPr kumimoji="1" lang="ja-JP" altLang="en-US" b="1" dirty="0"/>
+              <a:t>がキューに溜まり、前から実行される</a:t>
+            </a:r>
+            <a:endParaRPr kumimoji="1" lang="en-US" altLang="ja-JP" b="1" dirty="0"/>
+          </a:p>
+        </p:txBody>
+      </p:sp>
+      <p:sp>
+        <p:nvSpPr>
+          <p:cNvPr id="8" name="正方形/長方形 7">
+            <a:extLst>
+              <a:ext uri="{FF2B5EF4-FFF2-40B4-BE49-F238E27FC236}">
+                <a16:creationId xmlns:a16="http://schemas.microsoft.com/office/drawing/2014/main" id="{8B8D8F16-D77A-FC49-0938-AF92C75B7DB9}"/>
+              </a:ext>
+            </a:extLst>
+          </p:cNvPr>
+          <p:cNvSpPr/>
+          <p:nvPr/>
+        </p:nvSpPr>
+        <p:spPr>
+          <a:xfrm>
+            <a:off x="7916886" y="1664375"/>
+            <a:ext cx="2222500" cy="1905000"/>
+          </a:xfrm>
+          <a:prstGeom prst="rect">
+            <a:avLst/>
+          </a:prstGeom>
+        </p:spPr>
+        <p:style>
+          <a:lnRef idx="2">
+            <a:schemeClr val="accent1">
+              <a:shade val="15000"/>
+            </a:schemeClr>
+          </a:lnRef>
+          <a:fillRef idx="1">
+            <a:schemeClr val="accent1"/>
+          </a:fillRef>
+          <a:effectRef idx="0">
+            <a:schemeClr val="accent1"/>
+          </a:effectRef>
+          <a:fontRef idx="minor">
+            <a:schemeClr val="lt1"/>
+          </a:fontRef>
+        </p:style>
+        <p:txBody>
+          <a:bodyPr rtlCol="0" anchor="ctr"/>
+          <a:lstStyle/>
+          <a:p>
+            <a:pPr algn="ctr"/>
+            <a:r>
+              <a:rPr kumimoji="1" lang="en-US" altLang="ja-JP" dirty="0"/>
+              <a:t>Dashboard page</a:t>
+            </a:r>
+            <a:endParaRPr kumimoji="1" lang="ja-JP" altLang="en-US" dirty="0"/>
+          </a:p>
+        </p:txBody>
+      </p:sp>
+      <p:sp>
+        <p:nvSpPr>
+          <p:cNvPr id="12" name="正方形/長方形 11">
+            <a:extLst>
+              <a:ext uri="{FF2B5EF4-FFF2-40B4-BE49-F238E27FC236}">
+                <a16:creationId xmlns:a16="http://schemas.microsoft.com/office/drawing/2014/main" id="{4EE39EA4-B373-CADD-74C6-CDCD2FB43DCA}"/>
+              </a:ext>
+            </a:extLst>
+          </p:cNvPr>
+          <p:cNvSpPr/>
+          <p:nvPr/>
+        </p:nvSpPr>
+        <p:spPr>
+          <a:xfrm>
+            <a:off x="-1124085" y="-629695"/>
+            <a:ext cx="2222500" cy="1100021"/>
+          </a:xfrm>
+          <a:prstGeom prst="rect">
+            <a:avLst/>
+          </a:prstGeom>
+          <a:solidFill>
+            <a:schemeClr val="accent6">
+              <a:lumMod val="50000"/>
+            </a:schemeClr>
+          </a:solidFill>
+        </p:spPr>
+        <p:style>
+          <a:lnRef idx="2">
+            <a:schemeClr val="accent1">
+              <a:shade val="15000"/>
+            </a:schemeClr>
+          </a:lnRef>
+          <a:fillRef idx="1">
+            <a:schemeClr val="accent1"/>
+          </a:fillRef>
+          <a:effectRef idx="0">
+            <a:schemeClr val="accent1"/>
+          </a:effectRef>
+          <a:fontRef idx="minor">
+            <a:schemeClr val="lt1"/>
+          </a:fontRef>
+        </p:style>
+        <p:txBody>
+          <a:bodyPr rtlCol="0" anchor="ctr"/>
+          <a:lstStyle/>
+          <a:p>
+            <a:pPr algn="ctr"/>
+            <a:r>
+              <a:rPr kumimoji="1" lang="en-US" altLang="ja-JP" dirty="0"/>
+              <a:t>User 1 directory</a:t>
+            </a:r>
+            <a:endParaRPr kumimoji="1" lang="ja-JP" altLang="en-US" dirty="0"/>
+          </a:p>
+        </p:txBody>
+      </p:sp>
+      <p:sp>
+        <p:nvSpPr>
+          <p:cNvPr id="13" name="正方形/長方形 12">
+            <a:extLst>
+              <a:ext uri="{FF2B5EF4-FFF2-40B4-BE49-F238E27FC236}">
+                <a16:creationId xmlns:a16="http://schemas.microsoft.com/office/drawing/2014/main" id="{31493686-74B5-841D-A648-15D07DFB5646}"/>
+              </a:ext>
+            </a:extLst>
+          </p:cNvPr>
+          <p:cNvSpPr/>
+          <p:nvPr/>
+        </p:nvSpPr>
+        <p:spPr>
+          <a:xfrm>
+            <a:off x="1435100" y="-1179706"/>
+            <a:ext cx="2222500" cy="1100021"/>
+          </a:xfrm>
+          <a:prstGeom prst="rect">
+            <a:avLst/>
+          </a:prstGeom>
+          <a:solidFill>
+            <a:schemeClr val="accent6">
+              <a:lumMod val="50000"/>
+            </a:schemeClr>
+          </a:solidFill>
+        </p:spPr>
+        <p:style>
+          <a:lnRef idx="2">
+            <a:schemeClr val="accent1">
+              <a:shade val="15000"/>
+            </a:schemeClr>
+          </a:lnRef>
+          <a:fillRef idx="1">
+            <a:schemeClr val="accent1"/>
+          </a:fillRef>
+          <a:effectRef idx="0">
+            <a:schemeClr val="accent1"/>
+          </a:effectRef>
+          <a:fontRef idx="minor">
+            <a:schemeClr val="lt1"/>
+          </a:fontRef>
+        </p:style>
+        <p:txBody>
+          <a:bodyPr rtlCol="0" anchor="ctr"/>
+          <a:lstStyle/>
+          <a:p>
+            <a:pPr algn="ctr"/>
+            <a:r>
+              <a:rPr kumimoji="1" lang="en-US" altLang="ja-JP" dirty="0"/>
+              <a:t>User 2 directory</a:t>
+            </a:r>
+            <a:endParaRPr kumimoji="1" lang="ja-JP" altLang="en-US" dirty="0"/>
+          </a:p>
+        </p:txBody>
+      </p:sp>
+      <p:sp>
+        <p:nvSpPr>
+          <p:cNvPr id="14" name="正方形/長方形 13">
+            <a:extLst>
+              <a:ext uri="{FF2B5EF4-FFF2-40B4-BE49-F238E27FC236}">
+                <a16:creationId xmlns:a16="http://schemas.microsoft.com/office/drawing/2014/main" id="{4EC97326-D798-252C-2A3A-BBF1C89311BE}"/>
+              </a:ext>
+            </a:extLst>
+          </p:cNvPr>
+          <p:cNvSpPr/>
+          <p:nvPr/>
+        </p:nvSpPr>
+        <p:spPr>
+          <a:xfrm>
+            <a:off x="3949700" y="-1179707"/>
+            <a:ext cx="2222500" cy="1100021"/>
+          </a:xfrm>
+          <a:prstGeom prst="rect">
+            <a:avLst/>
+          </a:prstGeom>
+          <a:solidFill>
+            <a:schemeClr val="accent6">
+              <a:lumMod val="50000"/>
+            </a:schemeClr>
+          </a:solidFill>
+        </p:spPr>
+        <p:style>
+          <a:lnRef idx="2">
+            <a:schemeClr val="accent1">
+              <a:shade val="15000"/>
+            </a:schemeClr>
+          </a:lnRef>
+          <a:fillRef idx="1">
+            <a:schemeClr val="accent1"/>
+          </a:fillRef>
+          <a:effectRef idx="0">
+            <a:schemeClr val="accent1"/>
+          </a:effectRef>
+          <a:fontRef idx="minor">
+            <a:schemeClr val="lt1"/>
+          </a:fontRef>
+        </p:style>
+        <p:txBody>
+          <a:bodyPr rtlCol="0" anchor="ctr"/>
+          <a:lstStyle/>
+          <a:p>
+            <a:pPr algn="ctr"/>
+            <a:r>
+              <a:rPr kumimoji="1" lang="en-US" altLang="ja-JP" dirty="0"/>
+              <a:t>User 3 directory</a:t>
+            </a:r>
+            <a:endParaRPr kumimoji="1" lang="ja-JP" altLang="en-US" dirty="0"/>
+          </a:p>
+        </p:txBody>
+      </p:sp>
+      <p:cxnSp>
+        <p:nvCxnSpPr>
+          <p:cNvPr id="15" name="直線矢印コネクタ 14">
+            <a:extLst>
+              <a:ext uri="{FF2B5EF4-FFF2-40B4-BE49-F238E27FC236}">
+                <a16:creationId xmlns:a16="http://schemas.microsoft.com/office/drawing/2014/main" id="{05E68784-F643-4CC1-4B5F-7107BF3CECB5}"/>
+              </a:ext>
+            </a:extLst>
+          </p:cNvPr>
+          <p:cNvCxnSpPr>
+            <a:cxnSpLocks/>
+          </p:cNvCxnSpPr>
+          <p:nvPr/>
+        </p:nvCxnSpPr>
+        <p:spPr>
+          <a:xfrm flipH="1" flipV="1">
+            <a:off x="254000" y="727409"/>
+            <a:ext cx="2946400" cy="3015442"/>
+          </a:xfrm>
+          <a:prstGeom prst="straightConnector1">
+            <a:avLst/>
+          </a:prstGeom>
+          <a:ln w="28575">
+            <a:solidFill>
+              <a:srgbClr val="FF0000"/>
+            </a:solidFill>
+            <a:tailEnd type="triangle"/>
+          </a:ln>
+        </p:spPr>
+        <p:style>
+          <a:lnRef idx="1">
+            <a:schemeClr val="accent1"/>
+          </a:lnRef>
+          <a:fillRef idx="0">
+            <a:schemeClr val="accent1"/>
+          </a:fillRef>
+          <a:effectRef idx="0">
+            <a:schemeClr val="accent1"/>
+          </a:effectRef>
+          <a:fontRef idx="minor">
+            <a:schemeClr val="tx1"/>
+          </a:fontRef>
+        </p:style>
+      </p:cxnSp>
+      <p:sp>
+        <p:nvSpPr>
+          <p:cNvPr id="18" name="テキスト ボックス 17">
+            <a:extLst>
+              <a:ext uri="{FF2B5EF4-FFF2-40B4-BE49-F238E27FC236}">
+                <a16:creationId xmlns:a16="http://schemas.microsoft.com/office/drawing/2014/main" id="{2A7EFEB8-A28B-E7AD-D771-00803D72B0EA}"/>
+              </a:ext>
+            </a:extLst>
+          </p:cNvPr>
+          <p:cNvSpPr txBox="1"/>
+          <p:nvPr/>
+        </p:nvSpPr>
+        <p:spPr>
+          <a:xfrm>
+            <a:off x="-212725" y="1277420"/>
+            <a:ext cx="2168525" cy="369332"/>
+          </a:xfrm>
+          <a:prstGeom prst="rect">
+            <a:avLst/>
+          </a:prstGeom>
+          <a:noFill/>
+        </p:spPr>
+        <p:txBody>
+          <a:bodyPr wrap="square" rtlCol="0">
+            <a:spAutoFit/>
+          </a:bodyPr>
+          <a:lstStyle/>
+          <a:p>
+            <a:r>
+              <a:rPr kumimoji="1" lang="en-US" altLang="ja-JP" b="1" dirty="0"/>
+              <a:t>.txt output</a:t>
+            </a:r>
+            <a:endParaRPr lang="en-US" altLang="ja-JP" b="1" dirty="0"/>
+          </a:p>
+        </p:txBody>
+      </p:sp>
+      <p:cxnSp>
+        <p:nvCxnSpPr>
+          <p:cNvPr id="19" name="直線矢印コネクタ 18">
+            <a:extLst>
+              <a:ext uri="{FF2B5EF4-FFF2-40B4-BE49-F238E27FC236}">
+                <a16:creationId xmlns:a16="http://schemas.microsoft.com/office/drawing/2014/main" id="{4491D742-65B5-C0BB-E768-4D4CB62D8A64}"/>
+              </a:ext>
+            </a:extLst>
+          </p:cNvPr>
+          <p:cNvCxnSpPr>
+            <a:cxnSpLocks/>
+          </p:cNvCxnSpPr>
+          <p:nvPr/>
+        </p:nvCxnSpPr>
+        <p:spPr>
+          <a:xfrm flipH="1" flipV="1">
+            <a:off x="1098415" y="470326"/>
+            <a:ext cx="6597785" cy="2357059"/>
+          </a:xfrm>
+          <a:prstGeom prst="straightConnector1">
+            <a:avLst/>
+          </a:prstGeom>
+          <a:ln w="28575">
+            <a:solidFill>
+              <a:srgbClr val="FF0000"/>
+            </a:solidFill>
+            <a:tailEnd type="triangle"/>
+          </a:ln>
+        </p:spPr>
+        <p:style>
+          <a:lnRef idx="1">
+            <a:schemeClr val="accent1"/>
+          </a:lnRef>
+          <a:fillRef idx="0">
+            <a:schemeClr val="accent1"/>
+          </a:fillRef>
+          <a:effectRef idx="0">
+            <a:schemeClr val="accent1"/>
+          </a:effectRef>
+          <a:fontRef idx="minor">
+            <a:schemeClr val="tx1"/>
+          </a:fontRef>
+        </p:style>
+      </p:cxnSp>
+      <p:sp>
+        <p:nvSpPr>
+          <p:cNvPr id="21" name="テキスト ボックス 20">
+            <a:extLst>
+              <a:ext uri="{FF2B5EF4-FFF2-40B4-BE49-F238E27FC236}">
+                <a16:creationId xmlns:a16="http://schemas.microsoft.com/office/drawing/2014/main" id="{6133C161-BAC7-D17E-ED72-21E638FCF26C}"/>
+              </a:ext>
+            </a:extLst>
+          </p:cNvPr>
+          <p:cNvSpPr txBox="1"/>
+          <p:nvPr/>
+        </p:nvSpPr>
+        <p:spPr>
+          <a:xfrm>
+            <a:off x="3332186" y="2080843"/>
+            <a:ext cx="4337050" cy="646331"/>
+          </a:xfrm>
+          <a:prstGeom prst="rect">
+            <a:avLst/>
+          </a:prstGeom>
+          <a:noFill/>
+        </p:spPr>
+        <p:txBody>
+          <a:bodyPr wrap="square" rtlCol="0">
+            <a:spAutoFit/>
+          </a:bodyPr>
+          <a:lstStyle/>
+          <a:p>
+            <a:r>
+              <a:rPr kumimoji="1" lang="en-US" altLang="ja-JP" b="1" dirty="0"/>
+              <a:t>Content list</a:t>
+            </a:r>
+          </a:p>
+          <a:p>
+            <a:r>
+              <a:rPr lang="ja-JP" altLang="en-US" b="1" dirty="0"/>
+              <a:t>コンテンツリスト</a:t>
+            </a:r>
+            <a:endParaRPr kumimoji="1" lang="en-US" altLang="ja-JP" b="1" dirty="0"/>
+          </a:p>
+        </p:txBody>
+      </p:sp>
+      <p:cxnSp>
+        <p:nvCxnSpPr>
+          <p:cNvPr id="24" name="直線矢印コネクタ 23">
+            <a:extLst>
+              <a:ext uri="{FF2B5EF4-FFF2-40B4-BE49-F238E27FC236}">
+                <a16:creationId xmlns:a16="http://schemas.microsoft.com/office/drawing/2014/main" id="{3F22DE92-EBE6-1AC1-DE97-0207C9099C33}"/>
+              </a:ext>
+            </a:extLst>
+          </p:cNvPr>
+          <p:cNvCxnSpPr>
+            <a:cxnSpLocks/>
+            <a:endCxn id="21" idx="3"/>
+          </p:cNvCxnSpPr>
+          <p:nvPr/>
+        </p:nvCxnSpPr>
+        <p:spPr>
+          <a:xfrm>
+            <a:off x="1098415" y="291049"/>
+            <a:ext cx="6570821" cy="2112960"/>
+          </a:xfrm>
+          <a:prstGeom prst="straightConnector1">
+            <a:avLst/>
+          </a:prstGeom>
+          <a:ln w="28575">
+            <a:solidFill>
+              <a:srgbClr val="FF0000"/>
+            </a:solidFill>
+            <a:tailEnd type="triangle"/>
+          </a:ln>
+        </p:spPr>
+        <p:style>
+          <a:lnRef idx="1">
+            <a:schemeClr val="accent1"/>
+          </a:lnRef>
+          <a:fillRef idx="0">
+            <a:schemeClr val="accent1"/>
+          </a:fillRef>
+          <a:effectRef idx="0">
+            <a:schemeClr val="accent1"/>
+          </a:effectRef>
+          <a:fontRef idx="minor">
+            <a:schemeClr val="tx1"/>
+          </a:fontRef>
+        </p:style>
+      </p:cxnSp>
+      <p:sp>
+        <p:nvSpPr>
+          <p:cNvPr id="26" name="テキスト ボックス 25">
+            <a:extLst>
+              <a:ext uri="{FF2B5EF4-FFF2-40B4-BE49-F238E27FC236}">
+                <a16:creationId xmlns:a16="http://schemas.microsoft.com/office/drawing/2014/main" id="{7A60EE7F-42A8-40A1-F914-996048F8AE74}"/>
+              </a:ext>
+            </a:extLst>
+          </p:cNvPr>
+          <p:cNvSpPr txBox="1"/>
+          <p:nvPr/>
+        </p:nvSpPr>
+        <p:spPr>
+          <a:xfrm>
+            <a:off x="5060950" y="1063777"/>
+            <a:ext cx="4337050" cy="646331"/>
+          </a:xfrm>
+          <a:prstGeom prst="rect">
+            <a:avLst/>
+          </a:prstGeom>
+          <a:noFill/>
+        </p:spPr>
+        <p:txBody>
+          <a:bodyPr wrap="square" rtlCol="0">
+            <a:spAutoFit/>
+          </a:bodyPr>
+          <a:lstStyle/>
+          <a:p>
+            <a:r>
+              <a:rPr kumimoji="1" lang="en-US" altLang="ja-JP" b="1" dirty="0"/>
+              <a:t>Whether data is available?</a:t>
+            </a:r>
+          </a:p>
+          <a:p>
+            <a:r>
+              <a:rPr kumimoji="1" lang="ja-JP" altLang="en-US" b="1" dirty="0"/>
+              <a:t>データがあるかが返ってくる</a:t>
+            </a:r>
+            <a:endParaRPr kumimoji="1" lang="en-US" altLang="ja-JP" b="1" dirty="0"/>
+          </a:p>
+        </p:txBody>
+      </p:sp>
+      <p:cxnSp>
+        <p:nvCxnSpPr>
+          <p:cNvPr id="29" name="直線矢印コネクタ 28">
+            <a:extLst>
+              <a:ext uri="{FF2B5EF4-FFF2-40B4-BE49-F238E27FC236}">
+                <a16:creationId xmlns:a16="http://schemas.microsoft.com/office/drawing/2014/main" id="{E6BF25C1-D555-6E28-5D3B-FF5EDDCDC8EA}"/>
+              </a:ext>
+            </a:extLst>
+          </p:cNvPr>
+          <p:cNvCxnSpPr>
+            <a:cxnSpLocks/>
+          </p:cNvCxnSpPr>
+          <p:nvPr/>
+        </p:nvCxnSpPr>
+        <p:spPr>
+          <a:xfrm flipH="1" flipV="1">
+            <a:off x="9674293" y="3276600"/>
+            <a:ext cx="3235584" cy="1905000"/>
+          </a:xfrm>
+          <a:prstGeom prst="straightConnector1">
+            <a:avLst/>
+          </a:prstGeom>
+          <a:ln w="28575">
+            <a:solidFill>
+              <a:srgbClr val="FF0000"/>
+            </a:solidFill>
+            <a:tailEnd type="triangle"/>
+          </a:ln>
+        </p:spPr>
+        <p:style>
+          <a:lnRef idx="1">
+            <a:schemeClr val="accent1"/>
+          </a:lnRef>
+          <a:fillRef idx="0">
+            <a:schemeClr val="accent1"/>
+          </a:fillRef>
+          <a:effectRef idx="0">
+            <a:schemeClr val="accent1"/>
+          </a:effectRef>
+          <a:fontRef idx="minor">
+            <a:schemeClr val="tx1"/>
+          </a:fontRef>
+        </p:style>
+      </p:cxnSp>
+      <p:sp>
+        <p:nvSpPr>
+          <p:cNvPr id="30" name="テキスト ボックス 29">
+            <a:extLst>
+              <a:ext uri="{FF2B5EF4-FFF2-40B4-BE49-F238E27FC236}">
+                <a16:creationId xmlns:a16="http://schemas.microsoft.com/office/drawing/2014/main" id="{E695AA31-1B5D-04DC-2BF5-E51EC68018BF}"/>
+              </a:ext>
+            </a:extLst>
+          </p:cNvPr>
+          <p:cNvSpPr txBox="1"/>
+          <p:nvPr/>
+        </p:nvSpPr>
+        <p:spPr>
+          <a:xfrm>
+            <a:off x="10139386" y="3846807"/>
+            <a:ext cx="4337050" cy="646331"/>
+          </a:xfrm>
+          <a:prstGeom prst="rect">
+            <a:avLst/>
+          </a:prstGeom>
+          <a:noFill/>
+        </p:spPr>
+        <p:txBody>
+          <a:bodyPr wrap="square" rtlCol="0">
+            <a:spAutoFit/>
+          </a:bodyPr>
+          <a:lstStyle/>
+          <a:p>
+            <a:r>
+              <a:rPr kumimoji="1" lang="en-US" altLang="ja-JP" b="1" dirty="0"/>
+              <a:t>Content list</a:t>
+            </a:r>
+          </a:p>
+          <a:p>
+            <a:r>
+              <a:rPr lang="ja-JP" altLang="en-US" b="1" dirty="0"/>
+              <a:t>コンテンツリスト</a:t>
+            </a:r>
+            <a:endParaRPr kumimoji="1" lang="en-US" altLang="ja-JP" b="1" dirty="0"/>
+          </a:p>
+        </p:txBody>
+      </p:sp>
+      <p:pic>
+        <p:nvPicPr>
+          <p:cNvPr id="34" name="図 33">
+            <a:extLst>
+              <a:ext uri="{FF2B5EF4-FFF2-40B4-BE49-F238E27FC236}">
+                <a16:creationId xmlns:a16="http://schemas.microsoft.com/office/drawing/2014/main" id="{06FC5F27-95F4-98F1-6D79-0E18EBCAFF28}"/>
+              </a:ext>
+            </a:extLst>
+          </p:cNvPr>
+          <p:cNvPicPr>
+            <a:picLocks noChangeAspect="1"/>
+          </p:cNvPicPr>
+          <p:nvPr/>
+        </p:nvPicPr>
+        <p:blipFill>
+          <a:blip r:embed="rId2"/>
+          <a:stretch>
+            <a:fillRect/>
+          </a:stretch>
+        </p:blipFill>
+        <p:spPr>
+          <a:xfrm>
+            <a:off x="12096593" y="5013251"/>
+            <a:ext cx="6109014" cy="2876698"/>
+          </a:xfrm>
+          <a:prstGeom prst="rect">
+            <a:avLst/>
+          </a:prstGeom>
+        </p:spPr>
+      </p:pic>
+      <p:cxnSp>
+        <p:nvCxnSpPr>
+          <p:cNvPr id="35" name="直線矢印コネクタ 34">
+            <a:extLst>
+              <a:ext uri="{FF2B5EF4-FFF2-40B4-BE49-F238E27FC236}">
+                <a16:creationId xmlns:a16="http://schemas.microsoft.com/office/drawing/2014/main" id="{4AA7C533-D7EE-D751-5007-7287CF49B05B}"/>
+              </a:ext>
+            </a:extLst>
+          </p:cNvPr>
+          <p:cNvCxnSpPr>
+            <a:cxnSpLocks/>
+          </p:cNvCxnSpPr>
+          <p:nvPr/>
+        </p:nvCxnSpPr>
+        <p:spPr>
+          <a:xfrm flipH="1">
+            <a:off x="7498568" y="5573370"/>
+            <a:ext cx="4953647" cy="579779"/>
+          </a:xfrm>
+          <a:prstGeom prst="straightConnector1">
+            <a:avLst/>
+          </a:prstGeom>
+          <a:ln w="28575">
+            <a:solidFill>
+              <a:srgbClr val="FF0000"/>
+            </a:solidFill>
+            <a:tailEnd type="triangle"/>
+          </a:ln>
+        </p:spPr>
+        <p:style>
+          <a:lnRef idx="1">
+            <a:schemeClr val="accent1"/>
+          </a:lnRef>
+          <a:fillRef idx="0">
+            <a:schemeClr val="accent1"/>
+          </a:fillRef>
+          <a:effectRef idx="0">
+            <a:schemeClr val="accent1"/>
+          </a:effectRef>
+          <a:fontRef idx="minor">
+            <a:schemeClr val="tx1"/>
+          </a:fontRef>
+        </p:style>
+      </p:cxnSp>
+    </p:spTree>
+    <p:extLst>
+      <p:ext uri="{BB962C8B-B14F-4D97-AF65-F5344CB8AC3E}">
+        <p14:creationId xmlns:p14="http://schemas.microsoft.com/office/powerpoint/2010/main" val="1933642909"/>
       </p:ext>
     </p:extLst>
   </p:cSld>
